--- a/manufacturers.pptx
+++ b/manufacturers.pptx
@@ -216,7 +216,7 @@
           <a:p>
             <a:fld id="{AB81B2D2-06A2-4596-9391-656CA05E965F}" type="datetimeFigureOut">
               <a:rPr lang="et-EE" smtClean="0"/>
-              <a:t>10.07.2025</a:t>
+              <a:t>11.07.2025</a:t>
             </a:fld>
             <a:endParaRPr lang="et-EE"/>
           </a:p>
@@ -630,7 +630,7 @@
           <a:p>
             <a:fld id="{0E412FDE-1CFE-48F6-820F-9C443C301228}" type="datetime1">
               <a:rPr lang="et-EE" smtClean="0"/>
-              <a:t>10.07.2025</a:t>
+              <a:t>11.07.2025</a:t>
             </a:fld>
             <a:endParaRPr lang="et-EE" dirty="0"/>
           </a:p>
@@ -814,7 +814,7 @@
           <a:p>
             <a:fld id="{B64C0CFC-214E-42F4-8B82-CC6D451BD70F}" type="datetime1">
               <a:rPr lang="et-EE" smtClean="0"/>
-              <a:t>10.07.2025</a:t>
+              <a:t>11.07.2025</a:t>
             </a:fld>
             <a:endParaRPr lang="et-EE"/>
           </a:p>
@@ -997,7 +997,7 @@
           <a:p>
             <a:fld id="{5AB58BF1-41C1-47B8-ACAE-F9884B88C63A}" type="datetime1">
               <a:rPr lang="et-EE" smtClean="0"/>
-              <a:t>10.07.2025</a:t>
+              <a:t>11.07.2025</a:t>
             </a:fld>
             <a:endParaRPr lang="et-EE"/>
           </a:p>
@@ -1259,7 +1259,7 @@
           <a:p>
             <a:fld id="{E1CF8E31-244F-4A6A-A7D5-704B96C48AAE}" type="datetime1">
               <a:rPr lang="et-EE" smtClean="0"/>
-              <a:t>10.07.2025</a:t>
+              <a:t>11.07.2025</a:t>
             </a:fld>
             <a:endParaRPr lang="et-EE" dirty="0"/>
           </a:p>
@@ -1971,7 +1971,7 @@
           <a:p>
             <a:fld id="{CF92296B-3A94-4787-AA7D-8DC0AEE88FD4}" type="datetime1">
               <a:rPr lang="et-EE" smtClean="0"/>
-              <a:t>10.07.2025</a:t>
+              <a:t>11.07.2025</a:t>
             </a:fld>
             <a:endParaRPr lang="et-EE"/>
           </a:p>
@@ -2341,7 +2341,7 @@
           <a:p>
             <a:fld id="{185751C1-87AF-4EAC-9696-BB82432B7753}" type="datetime1">
               <a:rPr lang="et-EE" smtClean="0"/>
-              <a:t>10.07.2025</a:t>
+              <a:t>11.07.2025</a:t>
             </a:fld>
             <a:endParaRPr lang="et-EE"/>
           </a:p>
@@ -2439,7 +2439,7 @@
           <a:p>
             <a:fld id="{E493E3B0-4572-4FE0-8E55-6746BFAADA96}" type="datetime1">
               <a:rPr lang="et-EE" smtClean="0"/>
-              <a:t>10.07.2025</a:t>
+              <a:t>11.07.2025</a:t>
             </a:fld>
             <a:endParaRPr lang="et-EE"/>
           </a:p>
@@ -2584,7 +2584,7 @@
           <a:p>
             <a:fld id="{EE4C4D14-98D7-455C-9D0D-2863E0C0AA0D}" type="datetime1">
               <a:rPr lang="et-EE" smtClean="0"/>
-              <a:t>10.07.2025</a:t>
+              <a:t>11.07.2025</a:t>
             </a:fld>
             <a:endParaRPr lang="et-EE"/>
           </a:p>
@@ -2864,7 +2864,7 @@
           <a:p>
             <a:fld id="{94997DBE-8AE5-4A6F-9E25-F62C693D8ED5}" type="datetime1">
               <a:rPr lang="et-EE" smtClean="0"/>
-              <a:t>10.07.2025</a:t>
+              <a:t>11.07.2025</a:t>
             </a:fld>
             <a:endParaRPr lang="et-EE"/>
           </a:p>
@@ -3124,7 +3124,7 @@
           <a:p>
             <a:fld id="{DA3B51F9-97BE-4EFF-9934-D6DB8E40FF5E}" type="datetime1">
               <a:rPr lang="et-EE" smtClean="0"/>
-              <a:t>10.07.2025</a:t>
+              <a:t>11.07.2025</a:t>
             </a:fld>
             <a:endParaRPr lang="et-EE"/>
           </a:p>
@@ -3341,7 +3341,7 @@
           <a:p>
             <a:fld id="{E7C7EEDD-722C-4F14-9239-A37AD281B51F}" type="datetime1">
               <a:rPr lang="et-EE" smtClean="0"/>
-              <a:t>10.07.2025</a:t>
+              <a:t>11.07.2025</a:t>
             </a:fld>
             <a:endParaRPr lang="et-EE" dirty="0"/>
           </a:p>
@@ -3857,7 +3857,7 @@
                 <a:latin typeface="Arial" panose="020B0604020202020204" pitchFamily="34" charset="0"/>
                 <a:cs typeface="Arial" panose="020B0604020202020204" pitchFamily="34" charset="0"/>
               </a:rPr>
-              <a:t>10.07.2025</a:t>
+              <a:t>11.07.2025</a:t>
             </a:fld>
             <a:endParaRPr lang="et-EE" dirty="0">
               <a:solidFill>
@@ -4114,7 +4114,7 @@
             <p:ph idx="1"/>
             <p:extLst>
               <p:ext uri="{D42A27DB-BD31-4B8C-83A1-F6EECF244321}">
-                <p14:modId xmlns:p14="http://schemas.microsoft.com/office/powerpoint/2010/main" val="743725061"/>
+                <p14:modId xmlns:p14="http://schemas.microsoft.com/office/powerpoint/2010/main" val="743211246"/>
               </p:ext>
             </p:extLst>
           </p:nvPr>
@@ -4514,6 +4514,19 @@
                         </a:rPr>
                         <a:t>Layertec</a:t>
                       </a:r>
+                      <a:r>
+                        <a:rPr lang="en-US" dirty="0">
+                          <a:solidFill>
+                            <a:srgbClr val="4C5960"/>
+                          </a:solidFill>
+                          <a:highlight>
+                            <a:srgbClr val="FFFF00"/>
+                          </a:highlight>
+                          <a:latin typeface="Arial" panose="020B0604020202020204" pitchFamily="34" charset="0"/>
+                          <a:cs typeface="Arial" panose="020B0604020202020204" pitchFamily="34" charset="0"/>
+                        </a:rPr>
+                        <a:t>*</a:t>
+                      </a:r>
                       <a:endParaRPr lang="LID4096" dirty="0">
                         <a:solidFill>
                           <a:srgbClr val="4C5960"/>
@@ -4542,21 +4555,25 @@
                           <a:solidFill>
                             <a:srgbClr val="4C5960"/>
                           </a:solidFill>
-                          <a:highlight>
-                            <a:srgbClr val="FFFF00"/>
-                          </a:highlight>
                           <a:latin typeface="Arial" panose="020B0604020202020204" pitchFamily="34" charset="0"/>
                           <a:cs typeface="Arial" panose="020B0604020202020204" pitchFamily="34" charset="0"/>
                         </a:rPr>
                         <a:t>~4k</a:t>
                       </a:r>
+                      <a:r>
+                        <a:rPr lang="en-US" dirty="0">
+                          <a:solidFill>
+                            <a:srgbClr val="4C5960"/>
+                          </a:solidFill>
+                          <a:latin typeface="Arial" panose="020B0604020202020204" pitchFamily="34" charset="0"/>
+                          <a:cs typeface="Arial" panose="020B0604020202020204" pitchFamily="34" charset="0"/>
+                        </a:rPr>
+                        <a:t> (+ ?)</a:t>
+                      </a:r>
                       <a:endParaRPr lang="LID4096" dirty="0">
                         <a:solidFill>
                           <a:srgbClr val="4C5960"/>
                         </a:solidFill>
-                        <a:highlight>
-                          <a:srgbClr val="FFFF00"/>
-                        </a:highlight>
                         <a:latin typeface="Arial" panose="020B0604020202020204" pitchFamily="34" charset="0"/>
                         <a:cs typeface="Arial" panose="020B0604020202020204" pitchFamily="34" charset="0"/>
                       </a:endParaRPr>
@@ -5214,7 +5231,7 @@
           <a:p>
             <a:fld id="{E1CF8E31-244F-4A6A-A7D5-704B96C48AAE}" type="datetime1">
               <a:rPr lang="et-EE" smtClean="0"/>
-              <a:t>10.07.2025</a:t>
+              <a:t>11.07.2025</a:t>
             </a:fld>
             <a:endParaRPr lang="et-EE" dirty="0"/>
           </a:p>
@@ -5275,6 +5292,75 @@
               <a:t>2</a:t>
             </a:fld>
             <a:endParaRPr lang="et-EE" dirty="0"/>
+          </a:p>
+        </p:txBody>
+      </p:sp>
+      <p:sp>
+        <p:nvSpPr>
+          <p:cNvPr id="3" name="TextBox 2">
+            <a:extLst>
+              <a:ext uri="{FF2B5EF4-FFF2-40B4-BE49-F238E27FC236}">
+                <a16:creationId xmlns:a16="http://schemas.microsoft.com/office/drawing/2014/main" id="{7A836B59-FB88-4697-8554-0AF98EF0154F}"/>
+              </a:ext>
+            </a:extLst>
+          </p:cNvPr>
+          <p:cNvSpPr txBox="1"/>
+          <p:nvPr/>
+        </p:nvSpPr>
+        <p:spPr>
+          <a:xfrm>
+            <a:off x="403821" y="5105787"/>
+            <a:ext cx="8726254" cy="369332"/>
+          </a:xfrm>
+          <a:prstGeom prst="rect">
+            <a:avLst/>
+          </a:prstGeom>
+          <a:noFill/>
+        </p:spPr>
+        <p:txBody>
+          <a:bodyPr wrap="square" rtlCol="0">
+            <a:spAutoFit/>
+          </a:bodyPr>
+          <a:lstStyle/>
+          <a:p>
+            <a:pPr algn="l"/>
+            <a:r>
+              <a:rPr lang="en-US" dirty="0">
+                <a:solidFill>
+                  <a:srgbClr val="667982"/>
+                </a:solidFill>
+                <a:latin typeface="Arial" panose="020B0604020202020204" pitchFamily="34" charset="0"/>
+                <a:cs typeface="Arial" panose="020B0604020202020204" pitchFamily="34" charset="0"/>
+              </a:rPr>
+              <a:t>*</a:t>
+            </a:r>
+            <a:r>
+              <a:rPr lang="en-US" dirty="0" err="1">
+                <a:solidFill>
+                  <a:srgbClr val="667982"/>
+                </a:solidFill>
+                <a:latin typeface="Arial" panose="020B0604020202020204" pitchFamily="34" charset="0"/>
+                <a:cs typeface="Arial" panose="020B0604020202020204" pitchFamily="34" charset="0"/>
+              </a:rPr>
+              <a:t>Layertec</a:t>
+            </a:r>
+            <a:r>
+              <a:rPr lang="en-US" dirty="0">
+                <a:solidFill>
+                  <a:srgbClr val="667982"/>
+                </a:solidFill>
+                <a:latin typeface="Arial" panose="020B0604020202020204" pitchFamily="34" charset="0"/>
+                <a:cs typeface="Arial" panose="020B0604020202020204" pitchFamily="34" charset="0"/>
+              </a:rPr>
+              <a:t> estimates 20k-40k for the two cavities (spacers + mirrors + bonding) </a:t>
+            </a:r>
+            <a:endParaRPr lang="LID4096" dirty="0">
+              <a:solidFill>
+                <a:srgbClr val="667982"/>
+              </a:solidFill>
+              <a:latin typeface="Arial" panose="020B0604020202020204" pitchFamily="34" charset="0"/>
+              <a:cs typeface="Arial" panose="020B0604020202020204" pitchFamily="34" charset="0"/>
+            </a:endParaRPr>
           </a:p>
         </p:txBody>
       </p:sp>

--- a/manufacturers.pptx
+++ b/manufacturers.pptx
@@ -5,11 +5,12 @@
     <p:sldMasterId id="2147483708" r:id="rId1"/>
   </p:sldMasterIdLst>
   <p:notesMasterIdLst>
-    <p:notesMasterId r:id="rId4"/>
+    <p:notesMasterId r:id="rId5"/>
   </p:notesMasterIdLst>
   <p:sldIdLst>
     <p:sldId id="258" r:id="rId2"/>
     <p:sldId id="259" r:id="rId3"/>
+    <p:sldId id="260" r:id="rId4"/>
   </p:sldIdLst>
   <p:sldSz cx="12192000" cy="6858000"/>
   <p:notesSz cx="6858000" cy="9144000"/>
@@ -216,7 +217,7 @@
           <a:p>
             <a:fld id="{AB81B2D2-06A2-4596-9391-656CA05E965F}" type="datetimeFigureOut">
               <a:rPr lang="et-EE" smtClean="0"/>
-              <a:t>11.07.2025</a:t>
+              <a:t>25.07.2025</a:t>
             </a:fld>
             <a:endParaRPr lang="et-EE"/>
           </a:p>
@@ -630,7 +631,7 @@
           <a:p>
             <a:fld id="{0E412FDE-1CFE-48F6-820F-9C443C301228}" type="datetime1">
               <a:rPr lang="et-EE" smtClean="0"/>
-              <a:t>11.07.2025</a:t>
+              <a:t>25.07.2025</a:t>
             </a:fld>
             <a:endParaRPr lang="et-EE" dirty="0"/>
           </a:p>
@@ -814,7 +815,7 @@
           <a:p>
             <a:fld id="{B64C0CFC-214E-42F4-8B82-CC6D451BD70F}" type="datetime1">
               <a:rPr lang="et-EE" smtClean="0"/>
-              <a:t>11.07.2025</a:t>
+              <a:t>25.07.2025</a:t>
             </a:fld>
             <a:endParaRPr lang="et-EE"/>
           </a:p>
@@ -997,7 +998,7 @@
           <a:p>
             <a:fld id="{5AB58BF1-41C1-47B8-ACAE-F9884B88C63A}" type="datetime1">
               <a:rPr lang="et-EE" smtClean="0"/>
-              <a:t>11.07.2025</a:t>
+              <a:t>25.07.2025</a:t>
             </a:fld>
             <a:endParaRPr lang="et-EE"/>
           </a:p>
@@ -1259,7 +1260,7 @@
           <a:p>
             <a:fld id="{E1CF8E31-244F-4A6A-A7D5-704B96C48AAE}" type="datetime1">
               <a:rPr lang="et-EE" smtClean="0"/>
-              <a:t>11.07.2025</a:t>
+              <a:t>25.07.2025</a:t>
             </a:fld>
             <a:endParaRPr lang="et-EE" dirty="0"/>
           </a:p>
@@ -1971,7 +1972,7 @@
           <a:p>
             <a:fld id="{CF92296B-3A94-4787-AA7D-8DC0AEE88FD4}" type="datetime1">
               <a:rPr lang="et-EE" smtClean="0"/>
-              <a:t>11.07.2025</a:t>
+              <a:t>25.07.2025</a:t>
             </a:fld>
             <a:endParaRPr lang="et-EE"/>
           </a:p>
@@ -2341,7 +2342,7 @@
           <a:p>
             <a:fld id="{185751C1-87AF-4EAC-9696-BB82432B7753}" type="datetime1">
               <a:rPr lang="et-EE" smtClean="0"/>
-              <a:t>11.07.2025</a:t>
+              <a:t>25.07.2025</a:t>
             </a:fld>
             <a:endParaRPr lang="et-EE"/>
           </a:p>
@@ -2439,7 +2440,7 @@
           <a:p>
             <a:fld id="{E493E3B0-4572-4FE0-8E55-6746BFAADA96}" type="datetime1">
               <a:rPr lang="et-EE" smtClean="0"/>
-              <a:t>11.07.2025</a:t>
+              <a:t>25.07.2025</a:t>
             </a:fld>
             <a:endParaRPr lang="et-EE"/>
           </a:p>
@@ -2584,7 +2585,7 @@
           <a:p>
             <a:fld id="{EE4C4D14-98D7-455C-9D0D-2863E0C0AA0D}" type="datetime1">
               <a:rPr lang="et-EE" smtClean="0"/>
-              <a:t>11.07.2025</a:t>
+              <a:t>25.07.2025</a:t>
             </a:fld>
             <a:endParaRPr lang="et-EE"/>
           </a:p>
@@ -2864,7 +2865,7 @@
           <a:p>
             <a:fld id="{94997DBE-8AE5-4A6F-9E25-F62C693D8ED5}" type="datetime1">
               <a:rPr lang="et-EE" smtClean="0"/>
-              <a:t>11.07.2025</a:t>
+              <a:t>25.07.2025</a:t>
             </a:fld>
             <a:endParaRPr lang="et-EE"/>
           </a:p>
@@ -3124,7 +3125,7 @@
           <a:p>
             <a:fld id="{DA3B51F9-97BE-4EFF-9934-D6DB8E40FF5E}" type="datetime1">
               <a:rPr lang="et-EE" smtClean="0"/>
-              <a:t>11.07.2025</a:t>
+              <a:t>25.07.2025</a:t>
             </a:fld>
             <a:endParaRPr lang="et-EE"/>
           </a:p>
@@ -3341,7 +3342,7 @@
           <a:p>
             <a:fld id="{E7C7EEDD-722C-4F14-9239-A37AD281B51F}" type="datetime1">
               <a:rPr lang="et-EE" smtClean="0"/>
-              <a:t>11.07.2025</a:t>
+              <a:t>25.07.2025</a:t>
             </a:fld>
             <a:endParaRPr lang="et-EE" dirty="0"/>
           </a:p>
@@ -3857,7 +3858,7 @@
                 <a:latin typeface="Arial" panose="020B0604020202020204" pitchFamily="34" charset="0"/>
                 <a:cs typeface="Arial" panose="020B0604020202020204" pitchFamily="34" charset="0"/>
               </a:rPr>
-              <a:t>11.07.2025</a:t>
+              <a:t>25.07.2025</a:t>
             </a:fld>
             <a:endParaRPr lang="et-EE" dirty="0">
               <a:solidFill>
@@ -3949,36 +3950,7 @@
             <a:pPr lvl="1"/>
             <a:r>
               <a:rPr lang="en-US" dirty="0"/>
-              <a:t>HR Coating - 2400 EUR / 50 substrates</a:t>
-            </a:r>
-          </a:p>
-          <a:p>
-            <a:pPr lvl="1"/>
-            <a:r>
-              <a:rPr lang="en-US" dirty="0"/>
-              <a:t>AR Coating – 1200 EUR</a:t>
-            </a:r>
-          </a:p>
-          <a:p>
-            <a:pPr lvl="1"/>
-            <a:r>
-              <a:rPr lang="en-US" dirty="0"/>
-              <a:t>Substrates (polished, flat border) ~225 EUR each</a:t>
-            </a:r>
-          </a:p>
-          <a:p>
-            <a:pPr lvl="1"/>
-            <a:r>
-              <a:rPr lang="en-US" dirty="0"/>
-              <a:t>2 sets –&gt; 2400 + 1200 + 900 = </a:t>
-            </a:r>
-            <a:r>
-              <a:rPr lang="en-US" dirty="0">
-                <a:highlight>
-                  <a:srgbClr val="FFFF00"/>
-                </a:highlight>
-              </a:rPr>
-              <a:t>4500 EUR</a:t>
+              <a:t>7.6k for 4 sets </a:t>
             </a:r>
           </a:p>
           <a:p>
@@ -3988,7 +3960,7 @@
                   <a:srgbClr val="FFFF00"/>
                 </a:highlight>
               </a:rPr>
-              <a:t>Layertek</a:t>
+              <a:t>Layertec</a:t>
             </a:r>
             <a:endParaRPr lang="en-US" dirty="0">
               <a:highlight>
@@ -3999,46 +3971,12 @@
           <a:p>
             <a:pPr lvl="1"/>
             <a:r>
-              <a:rPr lang="en-US" dirty="0">
-                <a:highlight>
-                  <a:srgbClr val="FFFF00"/>
-                </a:highlight>
-              </a:rPr>
-              <a:t>8-15k</a:t>
-            </a:r>
-          </a:p>
-        </p:txBody>
-      </p:sp>
-      <p:pic>
-        <p:nvPicPr>
-          <p:cNvPr id="13" name="Picture 12">
-            <a:extLst>
-              <a:ext uri="{FF2B5EF4-FFF2-40B4-BE49-F238E27FC236}">
-                <a16:creationId xmlns:a16="http://schemas.microsoft.com/office/drawing/2014/main" id="{B6A76B45-D4D9-4284-AD75-C8480C58375A}"/>
-              </a:ext>
-            </a:extLst>
-          </p:cNvPr>
-          <p:cNvPicPr>
-            <a:picLocks noChangeAspect="1"/>
-          </p:cNvPicPr>
-          <p:nvPr/>
-        </p:nvPicPr>
-        <p:blipFill>
-          <a:blip r:embed="rId2"/>
-          <a:stretch>
-            <a:fillRect/>
-          </a:stretch>
-        </p:blipFill>
-        <p:spPr>
-          <a:xfrm>
-            <a:off x="2138242" y="4362393"/>
-            <a:ext cx="9829315" cy="1878567"/>
-          </a:xfrm>
-          <a:prstGeom prst="rect">
-            <a:avLst/>
-          </a:prstGeom>
-        </p:spPr>
-      </p:pic>
+              <a:rPr lang="en-US" dirty="0"/>
+              <a:t>Together with spacers, up to 40k</a:t>
+            </a:r>
+          </a:p>
+        </p:txBody>
+      </p:sp>
     </p:spTree>
     <p:extLst>
       <p:ext uri="{BB962C8B-B14F-4D97-AF65-F5344CB8AC3E}">
@@ -4114,14 +4052,14 @@
             <p:ph idx="1"/>
             <p:extLst>
               <p:ext uri="{D42A27DB-BD31-4B8C-83A1-F6EECF244321}">
-                <p14:modId xmlns:p14="http://schemas.microsoft.com/office/powerpoint/2010/main" val="743211246"/>
+                <p14:modId xmlns:p14="http://schemas.microsoft.com/office/powerpoint/2010/main" val="2882126067"/>
               </p:ext>
             </p:extLst>
           </p:nvPr>
         </p:nvGraphicFramePr>
         <p:xfrm>
           <a:off x="223837" y="1162050"/>
-          <a:ext cx="11640155" cy="3312160"/>
+          <a:ext cx="11640155" cy="3042920"/>
         </p:xfrm>
         <a:graphic>
           <a:graphicData uri="http://schemas.openxmlformats.org/drawingml/2006/table">
@@ -4333,16 +4271,6 @@
                         <a:defRPr/>
                       </a:pPr>
                       <a:r>
-                        <a:rPr lang="et-EE" dirty="0">
-                          <a:solidFill>
-                            <a:srgbClr val="4C5960"/>
-                          </a:solidFill>
-                          <a:latin typeface="Arial" panose="020B0604020202020204" pitchFamily="34" charset="0"/>
-                          <a:cs typeface="Arial" panose="020B0604020202020204" pitchFamily="34" charset="0"/>
-                        </a:rPr>
-                        <a:t>~</a:t>
-                      </a:r>
-                      <a:r>
                         <a:rPr lang="en-US" dirty="0">
                           <a:solidFill>
                             <a:srgbClr val="4C5960"/>
@@ -4350,27 +4278,7 @@
                           <a:latin typeface="Arial" panose="020B0604020202020204" pitchFamily="34" charset="0"/>
                           <a:cs typeface="Arial" panose="020B0604020202020204" pitchFamily="34" charset="0"/>
                         </a:rPr>
-                        <a:t>7.2</a:t>
-                      </a:r>
-                      <a:r>
-                        <a:rPr lang="et-EE" dirty="0">
-                          <a:solidFill>
-                            <a:srgbClr val="4C5960"/>
-                          </a:solidFill>
-                          <a:latin typeface="Arial" panose="020B0604020202020204" pitchFamily="34" charset="0"/>
-                          <a:cs typeface="Arial" panose="020B0604020202020204" pitchFamily="34" charset="0"/>
-                        </a:rPr>
-                        <a:t>k</a:t>
-                      </a:r>
-                      <a:r>
-                        <a:rPr lang="en-US" dirty="0">
-                          <a:solidFill>
-                            <a:srgbClr val="4C5960"/>
-                          </a:solidFill>
-                          <a:latin typeface="Arial" panose="020B0604020202020204" pitchFamily="34" charset="0"/>
-                          <a:cs typeface="Arial" panose="020B0604020202020204" pitchFamily="34" charset="0"/>
-                        </a:rPr>
-                        <a:t> (+2.5k)</a:t>
+                        <a:t>22k</a:t>
                       </a:r>
                       <a:endParaRPr lang="LID4096" dirty="0">
                         <a:solidFill>
@@ -4393,18 +4301,6 @@
                     <a:lstStyle/>
                     <a:p>
                       <a:r>
-                        <a:rPr lang="en-US" dirty="0">
-                          <a:solidFill>
-                            <a:srgbClr val="4C5960"/>
-                          </a:solidFill>
-                          <a:latin typeface="Arial" panose="020B0604020202020204" pitchFamily="34" charset="0"/>
-                          <a:cs typeface="Arial" panose="020B0604020202020204" pitchFamily="34" charset="0"/>
-                        </a:rPr>
-                        <a:t>ULE 7972</a:t>
-                      </a:r>
-                    </a:p>
-                    <a:p>
-                      <a:r>
                         <a:rPr lang="et-EE" dirty="0">
                           <a:solidFill>
                             <a:srgbClr val="4C5960"/>
@@ -4413,16 +4309,6 @@
                           <a:cs typeface="Arial" panose="020B0604020202020204" pitchFamily="34" charset="0"/>
                         </a:rPr>
                         <a:t>Zerodur</a:t>
-                      </a:r>
-                      <a:r>
-                        <a:rPr lang="en-US" dirty="0">
-                          <a:solidFill>
-                            <a:srgbClr val="4C5960"/>
-                          </a:solidFill>
-                          <a:latin typeface="Arial" panose="020B0604020202020204" pitchFamily="34" charset="0"/>
-                          <a:cs typeface="Arial" panose="020B0604020202020204" pitchFamily="34" charset="0"/>
-                        </a:rPr>
-                        <a:t> (a bit pricier)</a:t>
                       </a:r>
                       <a:endParaRPr lang="LID4096" dirty="0">
                         <a:solidFill>
@@ -4551,16 +4437,6 @@
                     <a:lstStyle/>
                     <a:p>
                       <a:r>
-                        <a:rPr lang="et-EE" dirty="0">
-                          <a:solidFill>
-                            <a:srgbClr val="4C5960"/>
-                          </a:solidFill>
-                          <a:latin typeface="Arial" panose="020B0604020202020204" pitchFamily="34" charset="0"/>
-                          <a:cs typeface="Arial" panose="020B0604020202020204" pitchFamily="34" charset="0"/>
-                        </a:rPr>
-                        <a:t>~4k</a:t>
-                      </a:r>
-                      <a:r>
                         <a:rPr lang="en-US" dirty="0">
                           <a:solidFill>
                             <a:srgbClr val="4C5960"/>
@@ -4568,7 +4444,7 @@
                           <a:latin typeface="Arial" panose="020B0604020202020204" pitchFamily="34" charset="0"/>
                           <a:cs typeface="Arial" panose="020B0604020202020204" pitchFamily="34" charset="0"/>
                         </a:rPr>
-                        <a:t> (+ ?)</a:t>
+                        <a:t>20 to 40k</a:t>
                       </a:r>
                       <a:endParaRPr lang="LID4096" dirty="0">
                         <a:solidFill>
@@ -4907,38 +4783,18 @@
                     <a:lstStyle/>
                     <a:p>
                       <a:r>
-                        <a:rPr lang="en-US" strike="sngStrike" dirty="0" err="1">
+                        <a:rPr lang="en-US" strike="noStrike" dirty="0" err="1">
                           <a:solidFill>
-                            <a:srgbClr val="7D858C"/>
+                            <a:srgbClr val="4C5960"/>
                           </a:solidFill>
                           <a:latin typeface="Arial" panose="020B0604020202020204" pitchFamily="34" charset="0"/>
                           <a:cs typeface="Arial" panose="020B0604020202020204" pitchFamily="34" charset="0"/>
                         </a:rPr>
                         <a:t>Mateck</a:t>
                       </a:r>
-                      <a:endParaRPr lang="LID4096" strike="sngStrike" dirty="0">
+                      <a:endParaRPr lang="LID4096" strike="noStrike" dirty="0">
                         <a:solidFill>
-                          <a:srgbClr val="7D858C"/>
-                        </a:solidFill>
-                        <a:latin typeface="Arial" panose="020B0604020202020204" pitchFamily="34" charset="0"/>
-                        <a:cs typeface="Arial" panose="020B0604020202020204" pitchFamily="34" charset="0"/>
-                      </a:endParaRPr>
-                    </a:p>
-                  </a:txBody>
-                  <a:tcPr>
-                    <a:solidFill>
-                      <a:srgbClr val="F6F8FA"/>
-                    </a:solidFill>
-                  </a:tcPr>
-                </a:tc>
-                <a:tc>
-                  <a:txBody>
-                    <a:bodyPr/>
-                    <a:lstStyle/>
-                    <a:p>
-                      <a:endParaRPr lang="LID4096" strike="sngStrike" dirty="0">
-                        <a:solidFill>
-                          <a:srgbClr val="7D858C"/>
+                          <a:srgbClr val="4C5960"/>
                         </a:solidFill>
                         <a:latin typeface="Arial" panose="020B0604020202020204" pitchFamily="34" charset="0"/>
                         <a:cs typeface="Arial" panose="020B0604020202020204" pitchFamily="34" charset="0"/>
@@ -4957,18 +4813,18 @@
                     <a:lstStyle/>
                     <a:p>
                       <a:r>
-                        <a:rPr lang="en-US" strike="sngStrike" dirty="0" err="1">
+                        <a:rPr lang="en-US" strike="noStrike" dirty="0">
                           <a:solidFill>
-                            <a:srgbClr val="7D858C"/>
+                            <a:srgbClr val="4C5960"/>
                           </a:solidFill>
                           <a:latin typeface="Arial" panose="020B0604020202020204" pitchFamily="34" charset="0"/>
                           <a:cs typeface="Arial" panose="020B0604020202020204" pitchFamily="34" charset="0"/>
                         </a:rPr>
-                        <a:t>Zerodur</a:t>
+                        <a:t>20k</a:t>
                       </a:r>
-                      <a:endParaRPr lang="LID4096" strike="sngStrike" dirty="0">
+                      <a:endParaRPr lang="LID4096" strike="noStrike" dirty="0">
                         <a:solidFill>
-                          <a:srgbClr val="7D858C"/>
+                          <a:srgbClr val="4C5960"/>
                         </a:solidFill>
                         <a:latin typeface="Arial" panose="020B0604020202020204" pitchFamily="34" charset="0"/>
                         <a:cs typeface="Arial" panose="020B0604020202020204" pitchFamily="34" charset="0"/>
@@ -4987,18 +4843,38 @@
                     <a:lstStyle/>
                     <a:p>
                       <a:r>
-                        <a:rPr lang="et-EE" strike="sngStrike" dirty="0">
+                        <a:rPr lang="en-US" strike="noStrike" dirty="0" err="1">
                           <a:solidFill>
-                            <a:srgbClr val="7D858C"/>
+                            <a:srgbClr val="4C5960"/>
                           </a:solidFill>
                           <a:latin typeface="Arial" panose="020B0604020202020204" pitchFamily="34" charset="0"/>
                           <a:cs typeface="Arial" panose="020B0604020202020204" pitchFamily="34" charset="0"/>
                         </a:rPr>
-                        <a:t>Haven’t answered for weeks</a:t>
+                        <a:t>Zerodur</a:t>
                       </a:r>
-                      <a:endParaRPr lang="LID4096" strike="sngStrike" dirty="0">
+                      <a:endParaRPr lang="LID4096" strike="noStrike" dirty="0">
                         <a:solidFill>
-                          <a:srgbClr val="7D858C"/>
+                          <a:srgbClr val="4C5960"/>
+                        </a:solidFill>
+                        <a:latin typeface="Arial" panose="020B0604020202020204" pitchFamily="34" charset="0"/>
+                        <a:cs typeface="Arial" panose="020B0604020202020204" pitchFamily="34" charset="0"/>
+                      </a:endParaRPr>
+                    </a:p>
+                  </a:txBody>
+                  <a:tcPr>
+                    <a:solidFill>
+                      <a:srgbClr val="F6F8FA"/>
+                    </a:solidFill>
+                  </a:tcPr>
+                </a:tc>
+                <a:tc>
+                  <a:txBody>
+                    <a:bodyPr/>
+                    <a:lstStyle/>
+                    <a:p>
+                      <a:endParaRPr lang="LID4096" strike="noStrike" dirty="0">
+                        <a:solidFill>
+                          <a:srgbClr val="4C5960"/>
                         </a:solidFill>
                         <a:latin typeface="Arial" panose="020B0604020202020204" pitchFamily="34" charset="0"/>
                         <a:cs typeface="Arial" panose="020B0604020202020204" pitchFamily="34" charset="0"/>
@@ -5017,18 +4893,18 @@
                     <a:lstStyle/>
                     <a:p>
                       <a:r>
-                        <a:rPr lang="et-EE" strike="sngStrike" dirty="0">
+                        <a:rPr lang="et-EE" strike="noStrike" dirty="0">
                           <a:solidFill>
-                            <a:srgbClr val="7D858C"/>
+                            <a:srgbClr val="4C5960"/>
                           </a:solidFill>
                           <a:latin typeface="Arial" panose="020B0604020202020204" pitchFamily="34" charset="0"/>
                           <a:cs typeface="Arial" panose="020B0604020202020204" pitchFamily="34" charset="0"/>
                         </a:rPr>
                         <a:t>DE</a:t>
                       </a:r>
-                      <a:endParaRPr lang="LID4096" strike="sngStrike" dirty="0">
+                      <a:endParaRPr lang="LID4096" strike="noStrike" dirty="0">
                         <a:solidFill>
-                          <a:srgbClr val="7D858C"/>
+                          <a:srgbClr val="4C5960"/>
                         </a:solidFill>
                         <a:latin typeface="Arial" panose="020B0604020202020204" pitchFamily="34" charset="0"/>
                         <a:cs typeface="Arial" panose="020B0604020202020204" pitchFamily="34" charset="0"/>
@@ -5231,7 +5107,7 @@
           <a:p>
             <a:fld id="{E1CF8E31-244F-4A6A-A7D5-704B96C48AAE}" type="datetime1">
               <a:rPr lang="et-EE" smtClean="0"/>
-              <a:t>11.07.2025</a:t>
+              <a:t>25.07.2025</a:t>
             </a:fld>
             <a:endParaRPr lang="et-EE" dirty="0"/>
           </a:p>
@@ -5368,6 +5244,234 @@
     <p:extLst>
       <p:ext uri="{BB962C8B-B14F-4D97-AF65-F5344CB8AC3E}">
         <p14:creationId xmlns:p14="http://schemas.microsoft.com/office/powerpoint/2010/main" val="2952711482"/>
+      </p:ext>
+    </p:extLst>
+  </p:cSld>
+  <p:clrMapOvr>
+    <a:masterClrMapping/>
+  </p:clrMapOvr>
+</p:sld>
+</file>
+
+<file path=ppt/slides/slide3.xml><?xml version="1.0" encoding="utf-8"?>
+<p:sld xmlns:a="http://schemas.openxmlformats.org/drawingml/2006/main" xmlns:r="http://schemas.openxmlformats.org/officeDocument/2006/relationships" xmlns:p="http://schemas.openxmlformats.org/presentationml/2006/main">
+  <p:cSld>
+    <p:spTree>
+      <p:nvGrpSpPr>
+        <p:cNvPr id="1" name="">
+          <a:extLst>
+            <a:ext uri="{FF2B5EF4-FFF2-40B4-BE49-F238E27FC236}">
+              <a16:creationId xmlns:a16="http://schemas.microsoft.com/office/drawing/2014/main" id="{76D2F9D3-B8B9-5667-E779-4A8FD4871216}"/>
+            </a:ext>
+          </a:extLst>
+        </p:cNvPr>
+        <p:cNvGrpSpPr/>
+        <p:nvPr/>
+      </p:nvGrpSpPr>
+      <p:grpSpPr>
+        <a:xfrm>
+          <a:off x="0" y="0"/>
+          <a:ext cx="0" cy="0"/>
+          <a:chOff x="0" y="0"/>
+          <a:chExt cx="0" cy="0"/>
+        </a:xfrm>
+      </p:grpSpPr>
+      <p:sp>
+        <p:nvSpPr>
+          <p:cNvPr id="2" name="Title 1">
+            <a:extLst>
+              <a:ext uri="{FF2B5EF4-FFF2-40B4-BE49-F238E27FC236}">
+                <a16:creationId xmlns:a16="http://schemas.microsoft.com/office/drawing/2014/main" id="{57889C12-1ED8-E481-F2D6-165A1604CB6A}"/>
+              </a:ext>
+            </a:extLst>
+          </p:cNvPr>
+          <p:cNvSpPr>
+            <a:spLocks noGrp="1"/>
+          </p:cNvSpPr>
+          <p:nvPr>
+            <p:ph type="title"/>
+          </p:nvPr>
+        </p:nvSpPr>
+        <p:spPr/>
+        <p:txBody>
+          <a:bodyPr/>
+          <a:lstStyle/>
+          <a:p>
+            <a:r>
+              <a:rPr lang="en-US" dirty="0"/>
+              <a:t>Manufacturers – Vacuum Tank</a:t>
+            </a:r>
+            <a:endParaRPr lang="et-EE" dirty="0"/>
+          </a:p>
+        </p:txBody>
+      </p:sp>
+      <p:sp>
+        <p:nvSpPr>
+          <p:cNvPr id="4" name="Slide Number Placeholder 3">
+            <a:extLst>
+              <a:ext uri="{FF2B5EF4-FFF2-40B4-BE49-F238E27FC236}">
+                <a16:creationId xmlns:a16="http://schemas.microsoft.com/office/drawing/2014/main" id="{85EF1BC8-41FD-F1B1-B9C0-8B2802B0FC85}"/>
+              </a:ext>
+            </a:extLst>
+          </p:cNvPr>
+          <p:cNvSpPr>
+            <a:spLocks noGrp="1"/>
+          </p:cNvSpPr>
+          <p:nvPr>
+            <p:ph type="sldNum" sz="quarter" idx="12"/>
+          </p:nvPr>
+        </p:nvSpPr>
+        <p:spPr/>
+        <p:txBody>
+          <a:bodyPr/>
+          <a:lstStyle/>
+          <a:p>
+            <a:fld id="{9F39E346-B1F3-4075-BD67-234EF0F10AC6}" type="slidenum">
+              <a:rPr lang="et-EE" smtClean="0">
+                <a:solidFill>
+                  <a:srgbClr val="A8B7BF"/>
+                </a:solidFill>
+                <a:latin typeface="Arial" panose="020B0604020202020204" pitchFamily="34" charset="0"/>
+                <a:cs typeface="Arial" panose="020B0604020202020204" pitchFamily="34" charset="0"/>
+              </a:rPr>
+              <a:pPr/>
+              <a:t>3</a:t>
+            </a:fld>
+            <a:endParaRPr lang="et-EE" dirty="0">
+              <a:solidFill>
+                <a:srgbClr val="A8B7BF"/>
+              </a:solidFill>
+              <a:latin typeface="Arial" panose="020B0604020202020204" pitchFamily="34" charset="0"/>
+              <a:cs typeface="Arial" panose="020B0604020202020204" pitchFamily="34" charset="0"/>
+            </a:endParaRPr>
+          </a:p>
+        </p:txBody>
+      </p:sp>
+      <p:sp>
+        <p:nvSpPr>
+          <p:cNvPr id="5" name="Date Placeholder 4">
+            <a:extLst>
+              <a:ext uri="{FF2B5EF4-FFF2-40B4-BE49-F238E27FC236}">
+                <a16:creationId xmlns:a16="http://schemas.microsoft.com/office/drawing/2014/main" id="{AFCE2E36-E43E-9DF4-20B7-5272595FCCB3}"/>
+              </a:ext>
+            </a:extLst>
+          </p:cNvPr>
+          <p:cNvSpPr>
+            <a:spLocks noGrp="1"/>
+          </p:cNvSpPr>
+          <p:nvPr>
+            <p:ph type="dt" sz="half" idx="10"/>
+          </p:nvPr>
+        </p:nvSpPr>
+        <p:spPr/>
+        <p:txBody>
+          <a:bodyPr/>
+          <a:lstStyle/>
+          <a:p>
+            <a:fld id="{32EEE099-2A99-443B-9970-120A01131372}" type="datetime1">
+              <a:rPr lang="et-EE" smtClean="0">
+                <a:solidFill>
+                  <a:srgbClr val="A8B7BF"/>
+                </a:solidFill>
+                <a:latin typeface="Arial" panose="020B0604020202020204" pitchFamily="34" charset="0"/>
+                <a:cs typeface="Arial" panose="020B0604020202020204" pitchFamily="34" charset="0"/>
+              </a:rPr>
+              <a:t>25.07.2025</a:t>
+            </a:fld>
+            <a:endParaRPr lang="et-EE" dirty="0">
+              <a:solidFill>
+                <a:srgbClr val="A8B7BF"/>
+              </a:solidFill>
+              <a:latin typeface="Arial" panose="020B0604020202020204" pitchFamily="34" charset="0"/>
+              <a:cs typeface="Arial" panose="020B0604020202020204" pitchFamily="34" charset="0"/>
+            </a:endParaRPr>
+          </a:p>
+        </p:txBody>
+      </p:sp>
+      <p:sp>
+        <p:nvSpPr>
+          <p:cNvPr id="6" name="Footer Placeholder 5">
+            <a:extLst>
+              <a:ext uri="{FF2B5EF4-FFF2-40B4-BE49-F238E27FC236}">
+                <a16:creationId xmlns:a16="http://schemas.microsoft.com/office/drawing/2014/main" id="{980CD48D-A0EC-DAD7-C766-AE3B70AEC514}"/>
+              </a:ext>
+            </a:extLst>
+          </p:cNvPr>
+          <p:cNvSpPr>
+            <a:spLocks noGrp="1"/>
+          </p:cNvSpPr>
+          <p:nvPr>
+            <p:ph type="ftr" sz="quarter" idx="11"/>
+          </p:nvPr>
+        </p:nvSpPr>
+        <p:spPr/>
+        <p:txBody>
+          <a:bodyPr/>
+          <a:lstStyle/>
+          <a:p>
+            <a:r>
+              <a:rPr lang="et-EE" dirty="0" err="1">
+                <a:solidFill>
+                  <a:srgbClr val="A8B7BF"/>
+                </a:solidFill>
+                <a:latin typeface="Arial" panose="020B0604020202020204" pitchFamily="34" charset="0"/>
+                <a:cs typeface="Arial" panose="020B0604020202020204" pitchFamily="34" charset="0"/>
+              </a:rPr>
+              <a:t>Weekly</a:t>
+            </a:r>
+            <a:endParaRPr lang="et-EE" dirty="0">
+              <a:solidFill>
+                <a:srgbClr val="A8B7BF"/>
+              </a:solidFill>
+              <a:latin typeface="Arial" panose="020B0604020202020204" pitchFamily="34" charset="0"/>
+              <a:cs typeface="Arial" panose="020B0604020202020204" pitchFamily="34" charset="0"/>
+            </a:endParaRPr>
+          </a:p>
+        </p:txBody>
+      </p:sp>
+      <p:sp>
+        <p:nvSpPr>
+          <p:cNvPr id="11" name="Content Placeholder 10">
+            <a:extLst>
+              <a:ext uri="{FF2B5EF4-FFF2-40B4-BE49-F238E27FC236}">
+                <a16:creationId xmlns:a16="http://schemas.microsoft.com/office/drawing/2014/main" id="{F32E57FC-392D-4D15-8393-67B26091D129}"/>
+              </a:ext>
+            </a:extLst>
+          </p:cNvPr>
+          <p:cNvSpPr>
+            <a:spLocks noGrp="1"/>
+          </p:cNvSpPr>
+          <p:nvPr>
+            <p:ph idx="1"/>
+          </p:nvPr>
+        </p:nvSpPr>
+        <p:spPr/>
+        <p:txBody>
+          <a:bodyPr/>
+          <a:lstStyle/>
+          <a:p>
+            <a:r>
+              <a:rPr lang="en-US" dirty="0" err="1"/>
+              <a:t>Lesker</a:t>
+            </a:r>
+            <a:r>
+              <a:rPr lang="en-US" dirty="0"/>
+              <a:t> quoted 25k </a:t>
+            </a:r>
+          </a:p>
+          <a:p>
+            <a:pPr lvl="1"/>
+            <a:r>
+              <a:rPr lang="en-US" dirty="0"/>
+              <a:t>50 cm inner diameter cylindrical tank + 4 viewports</a:t>
+            </a:r>
+          </a:p>
+        </p:txBody>
+      </p:sp>
+    </p:spTree>
+    <p:extLst>
+      <p:ext uri="{BB962C8B-B14F-4D97-AF65-F5344CB8AC3E}">
+        <p14:creationId xmlns:p14="http://schemas.microsoft.com/office/powerpoint/2010/main" val="466596899"/>
       </p:ext>
     </p:extLst>
   </p:cSld>

--- a/manufacturers.pptx
+++ b/manufacturers.pptx
@@ -217,7 +217,7 @@
           <a:p>
             <a:fld id="{AB81B2D2-06A2-4596-9391-656CA05E965F}" type="datetimeFigureOut">
               <a:rPr lang="et-EE" smtClean="0"/>
-              <a:t>25.07.2025</a:t>
+              <a:t>25.07.25</a:t>
             </a:fld>
             <a:endParaRPr lang="et-EE"/>
           </a:p>
@@ -631,7 +631,7 @@
           <a:p>
             <a:fld id="{0E412FDE-1CFE-48F6-820F-9C443C301228}" type="datetime1">
               <a:rPr lang="et-EE" smtClean="0"/>
-              <a:t>25.07.2025</a:t>
+              <a:t>25.07.25</a:t>
             </a:fld>
             <a:endParaRPr lang="et-EE" dirty="0"/>
           </a:p>
@@ -815,7 +815,7 @@
           <a:p>
             <a:fld id="{B64C0CFC-214E-42F4-8B82-CC6D451BD70F}" type="datetime1">
               <a:rPr lang="et-EE" smtClean="0"/>
-              <a:t>25.07.2025</a:t>
+              <a:t>25.07.25</a:t>
             </a:fld>
             <a:endParaRPr lang="et-EE"/>
           </a:p>
@@ -998,7 +998,7 @@
           <a:p>
             <a:fld id="{5AB58BF1-41C1-47B8-ACAE-F9884B88C63A}" type="datetime1">
               <a:rPr lang="et-EE" smtClean="0"/>
-              <a:t>25.07.2025</a:t>
+              <a:t>25.07.25</a:t>
             </a:fld>
             <a:endParaRPr lang="et-EE"/>
           </a:p>
@@ -1260,7 +1260,7 @@
           <a:p>
             <a:fld id="{E1CF8E31-244F-4A6A-A7D5-704B96C48AAE}" type="datetime1">
               <a:rPr lang="et-EE" smtClean="0"/>
-              <a:t>25.07.2025</a:t>
+              <a:t>25.07.25</a:t>
             </a:fld>
             <a:endParaRPr lang="et-EE" dirty="0"/>
           </a:p>
@@ -1972,7 +1972,7 @@
           <a:p>
             <a:fld id="{CF92296B-3A94-4787-AA7D-8DC0AEE88FD4}" type="datetime1">
               <a:rPr lang="et-EE" smtClean="0"/>
-              <a:t>25.07.2025</a:t>
+              <a:t>25.07.25</a:t>
             </a:fld>
             <a:endParaRPr lang="et-EE"/>
           </a:p>
@@ -2342,7 +2342,7 @@
           <a:p>
             <a:fld id="{185751C1-87AF-4EAC-9696-BB82432B7753}" type="datetime1">
               <a:rPr lang="et-EE" smtClean="0"/>
-              <a:t>25.07.2025</a:t>
+              <a:t>25.07.25</a:t>
             </a:fld>
             <a:endParaRPr lang="et-EE"/>
           </a:p>
@@ -2440,7 +2440,7 @@
           <a:p>
             <a:fld id="{E493E3B0-4572-4FE0-8E55-6746BFAADA96}" type="datetime1">
               <a:rPr lang="et-EE" smtClean="0"/>
-              <a:t>25.07.2025</a:t>
+              <a:t>25.07.25</a:t>
             </a:fld>
             <a:endParaRPr lang="et-EE"/>
           </a:p>
@@ -2585,7 +2585,7 @@
           <a:p>
             <a:fld id="{EE4C4D14-98D7-455C-9D0D-2863E0C0AA0D}" type="datetime1">
               <a:rPr lang="et-EE" smtClean="0"/>
-              <a:t>25.07.2025</a:t>
+              <a:t>25.07.25</a:t>
             </a:fld>
             <a:endParaRPr lang="et-EE"/>
           </a:p>
@@ -2865,7 +2865,7 @@
           <a:p>
             <a:fld id="{94997DBE-8AE5-4A6F-9E25-F62C693D8ED5}" type="datetime1">
               <a:rPr lang="et-EE" smtClean="0"/>
-              <a:t>25.07.2025</a:t>
+              <a:t>25.07.25</a:t>
             </a:fld>
             <a:endParaRPr lang="et-EE"/>
           </a:p>
@@ -3125,7 +3125,7 @@
           <a:p>
             <a:fld id="{DA3B51F9-97BE-4EFF-9934-D6DB8E40FF5E}" type="datetime1">
               <a:rPr lang="et-EE" smtClean="0"/>
-              <a:t>25.07.2025</a:t>
+              <a:t>25.07.25</a:t>
             </a:fld>
             <a:endParaRPr lang="et-EE"/>
           </a:p>
@@ -3342,7 +3342,7 @@
           <a:p>
             <a:fld id="{E7C7EEDD-722C-4F14-9239-A37AD281B51F}" type="datetime1">
               <a:rPr lang="et-EE" smtClean="0"/>
-              <a:t>25.07.2025</a:t>
+              <a:t>25.07.25</a:t>
             </a:fld>
             <a:endParaRPr lang="et-EE" dirty="0"/>
           </a:p>
@@ -3858,7 +3858,7 @@
                 <a:latin typeface="Arial" panose="020B0604020202020204" pitchFamily="34" charset="0"/>
                 <a:cs typeface="Arial" panose="020B0604020202020204" pitchFamily="34" charset="0"/>
               </a:rPr>
-              <a:t>25.07.2025</a:t>
+              <a:t>25.07.25</a:t>
             </a:fld>
             <a:endParaRPr lang="et-EE" dirty="0">
               <a:solidFill>
@@ -3950,7 +3950,7 @@
             <a:pPr lvl="1"/>
             <a:r>
               <a:rPr lang="en-US" dirty="0"/>
-              <a:t>7.6k for 4 sets </a:t>
+              <a:t>6.8k for 3 sets </a:t>
             </a:r>
           </a:p>
           <a:p>
@@ -5107,7 +5107,7 @@
           <a:p>
             <a:fld id="{E1CF8E31-244F-4A6A-A7D5-704B96C48AAE}" type="datetime1">
               <a:rPr lang="et-EE" smtClean="0"/>
-              <a:t>25.07.2025</a:t>
+              <a:t>25.07.25</a:t>
             </a:fld>
             <a:endParaRPr lang="et-EE" dirty="0"/>
           </a:p>
@@ -5376,7 +5376,7 @@
                 <a:latin typeface="Arial" panose="020B0604020202020204" pitchFamily="34" charset="0"/>
                 <a:cs typeface="Arial" panose="020B0604020202020204" pitchFamily="34" charset="0"/>
               </a:rPr>
-              <a:t>25.07.2025</a:t>
+              <a:t>25.07.25</a:t>
             </a:fld>
             <a:endParaRPr lang="et-EE" dirty="0">
               <a:solidFill>
